--- a/Special Effects Presentation/c307SpecialEffectsPresentation.pptx
+++ b/Special Effects Presentation/c307SpecialEffectsPresentation.pptx
@@ -528,7 +528,11 @@
           <a:p>
             <a:r>
               <a:rPr lang="en-US" dirty="0" smtClean="0"/>
-              <a:t>- Can drag</a:t>
+              <a:t>Can </a:t>
+            </a:r>
+            <a:r>
+              <a:rPr lang="en-US" dirty="0" smtClean="0"/>
+              <a:t>drag</a:t>
             </a:r>
             <a:r>
               <a:rPr lang="en-US" baseline="0" dirty="0" smtClean="0"/>
@@ -536,11 +540,22 @@
             </a:r>
           </a:p>
           <a:p>
+            <a:pPr marL="0" indent="0">
+              <a:buFontTx/>
+              <a:buNone/>
+            </a:pPr>
             <a:r>
               <a:rPr lang="en-US" baseline="0" dirty="0" smtClean="0"/>
-              <a:t>- Description of each feature is available in bottom right of the window</a:t>
-            </a:r>
-            <a:endParaRPr lang="en-US" dirty="0"/>
+              <a:t>Description </a:t>
+            </a:r>
+            <a:r>
+              <a:rPr lang="en-US" baseline="0" dirty="0" smtClean="0"/>
+              <a:t>of each feature is available in bottom right of the </a:t>
+            </a:r>
+            <a:r>
+              <a:rPr lang="en-US" baseline="0" dirty="0" smtClean="0"/>
+              <a:t>window</a:t>
+            </a:r>
           </a:p>
         </p:txBody>
       </p:sp>
@@ -3955,11 +3970,7 @@
           <a:p>
             <a:r>
               <a:rPr lang="en-US" dirty="0" smtClean="0"/>
-              <a:t>PFlow</a:t>
-            </a:r>
-            <a:r>
-              <a:rPr lang="en-US" dirty="0" smtClean="0"/>
-              <a:t>: Birth</a:t>
+              <a:t>PFlow: Birth</a:t>
             </a:r>
             <a:endParaRPr lang="en-US" dirty="0"/>
           </a:p>
@@ -4113,11 +4124,7 @@
           <a:p>
             <a:r>
               <a:rPr lang="en-US" dirty="0" smtClean="0"/>
-              <a:t>PFlow</a:t>
-            </a:r>
-            <a:r>
-              <a:rPr lang="en-US" dirty="0" smtClean="0"/>
-              <a:t>: Speed</a:t>
+              <a:t>PFlow: Speed</a:t>
             </a:r>
             <a:endParaRPr lang="en-US" dirty="0"/>
           </a:p>
@@ -4271,11 +4278,7 @@
           <a:p>
             <a:r>
               <a:rPr lang="en-US" dirty="0" smtClean="0"/>
-              <a:t>PFlow</a:t>
-            </a:r>
-            <a:r>
-              <a:rPr lang="en-US" dirty="0" smtClean="0"/>
-              <a:t>: Shape</a:t>
+              <a:t>PFlow: Shape</a:t>
             </a:r>
             <a:endParaRPr lang="en-US" dirty="0"/>
           </a:p>
@@ -4351,12 +4354,8 @@
           <a:lstStyle/>
           <a:p>
             <a:r>
-              <a:rPr lang="en-US" dirty="0" err="1" smtClean="0"/>
-              <a:t>PFlow</a:t>
-            </a:r>
-            <a:r>
-              <a:rPr lang="en-US" dirty="0" err="1" smtClean="0"/>
-              <a:t>Display</a:t>
+              <a:rPr lang="en-US" dirty="0" smtClean="0"/>
+              <a:t>PFlow: Display</a:t>
             </a:r>
             <a:endParaRPr lang="en-US" dirty="0"/>
           </a:p>
@@ -4695,7 +4694,6 @@
               <a:rPr lang="en-US" dirty="0" smtClean="0"/>
               <a:t>asier to learn</a:t>
             </a:r>
-            <a:endParaRPr lang="en-US" dirty="0" smtClean="0"/>
           </a:p>
           <a:p>
             <a:pPr lvl="1"/>
@@ -4952,15 +4950,7 @@
                     <a:p>
                       <a:r>
                         <a:rPr lang="en-US" sz="2300" dirty="0" smtClean="0"/>
-                        <a:t>Research Particle Flow (</a:t>
-                      </a:r>
-                      <a:r>
-                        <a:rPr lang="en-US" sz="2300" dirty="0" smtClean="0"/>
-                        <a:t>PFlow</a:t>
-                      </a:r>
-                      <a:r>
-                        <a:rPr lang="en-US" sz="2300" dirty="0" smtClean="0"/>
-                        <a:t>)</a:t>
+                        <a:t>Research Particle Flow (PFlow)</a:t>
                       </a:r>
                       <a:endParaRPr lang="en-US" sz="2300" dirty="0"/>
                     </a:p>
@@ -5507,15 +5497,7 @@
             <a:pPr lvl="2"/>
             <a:r>
               <a:rPr lang="en-US" dirty="0" smtClean="0"/>
-              <a:t>PF Source (</a:t>
-            </a:r>
-            <a:r>
-              <a:rPr lang="en-US" dirty="0" smtClean="0"/>
-              <a:t>PFlow</a:t>
-            </a:r>
-            <a:r>
-              <a:rPr lang="en-US" dirty="0" smtClean="0"/>
-              <a:t>)</a:t>
+              <a:t>PF Source (PFlow)</a:t>
             </a:r>
           </a:p>
           <a:p>
@@ -5617,22 +5599,14 @@
           <a:p>
             <a:r>
               <a:rPr lang="en-US" sz="3000" dirty="0" smtClean="0"/>
-              <a:t>Less time to learn</a:t>
-            </a:r>
-            <a:r>
-              <a:rPr lang="en-US" sz="3000" dirty="0" smtClean="0"/>
-              <a:t>:</a:t>
+              <a:t>Less time to learn:</a:t>
             </a:r>
           </a:p>
           <a:p>
             <a:pPr lvl="1"/>
             <a:r>
               <a:rPr lang="en-US" dirty="0" smtClean="0"/>
-              <a:t>Super Spray</a:t>
-            </a:r>
-            <a:r>
-              <a:rPr lang="en-US" dirty="0" smtClean="0"/>
-              <a:t> </a:t>
+              <a:t>Super Spray </a:t>
             </a:r>
           </a:p>
           <a:p>
@@ -5728,11 +5702,7 @@
           <a:p>
             <a:r>
               <a:rPr lang="en-US" dirty="0" smtClean="0"/>
-              <a:t>PFlow</a:t>
-            </a:r>
-            <a:r>
-              <a:rPr lang="en-US" dirty="0" smtClean="0"/>
-              <a:t>: Introduction</a:t>
+              <a:t>PFlow: Introduction</a:t>
             </a:r>
             <a:endParaRPr lang="en-US" dirty="0"/>
           </a:p>
@@ -5843,8 +5813,8 @@
           <a:lstStyle/>
           <a:p>
             <a:r>
-              <a:rPr lang="en-US" dirty="0" err="1" smtClean="0"/>
-              <a:t>Pflow</a:t>
+              <a:rPr lang="en-US" dirty="0" smtClean="0"/>
+              <a:t>PFlow</a:t>
             </a:r>
             <a:r>
               <a:rPr lang="en-US" dirty="0" smtClean="0"/>
@@ -5925,11 +5895,7 @@
           <a:p>
             <a:r>
               <a:rPr lang="en-US" dirty="0" smtClean="0"/>
-              <a:t>PFlow</a:t>
-            </a:r>
-            <a:r>
-              <a:rPr lang="en-US" dirty="0" smtClean="0"/>
-              <a:t>: Open Particle View</a:t>
+              <a:t>PFlow: Open Particle View</a:t>
             </a:r>
             <a:endParaRPr lang="en-US" dirty="0"/>
           </a:p>
@@ -6006,11 +5972,7 @@
           <a:p>
             <a:r>
               <a:rPr lang="en-US" dirty="0" smtClean="0"/>
-              <a:t>PFlow</a:t>
-            </a:r>
-            <a:r>
-              <a:rPr lang="en-US" dirty="0" smtClean="0"/>
-              <a:t>: Particle View </a:t>
+              <a:t>PFlow: Particle View </a:t>
             </a:r>
             <a:endParaRPr lang="en-US" dirty="0"/>
           </a:p>
